--- a/NOKIA_wizytowka.pptx
+++ b/NOKIA_wizytowka.pptx
@@ -110,6 +110,11 @@
       </a:defRPr>
     </a:lvl9pPr>
   </p:defaultTextStyle>
+  <p:extLst>
+    <p:ext uri="{EFAFB233-063F-42B5-8137-9DF3F51BA10A}">
+      <p15:sldGuideLst xmlns:p15="http://schemas.microsoft.com/office/powerpoint/2012/main"/>
+    </p:ext>
+  </p:extLst>
 </p:presentation>
 </file>
 
@@ -1031,7 +1036,7 @@
             <a:fld id="{779E2DB0-D0E8-4A41-817C-962BFC5ED97B}" type="datetime1">
               <a:rPr lang="pl-PL"/>
               <a:pPr lvl="0"/>
-              <a:t>2018/6/20</a:t>
+              <a:t>20.06.2018</a:t>
             </a:fld>
             <a:endParaRPr lang="pl-PL"/>
           </a:p>
@@ -1305,7 +1310,7 @@
             <a:fld id="{DDCF2DF3-8ACE-46C1-8AAE-05D57C3FFECF}" type="datetime1">
               <a:rPr lang="pl-PL"/>
               <a:pPr lvl="0"/>
-              <a:t>2018/6/20</a:t>
+              <a:t>20.06.2018</a:t>
             </a:fld>
             <a:endParaRPr lang="pl-PL"/>
           </a:p>
@@ -1549,7 +1554,7 @@
             <a:fld id="{4E51273F-525E-4590-A65A-0118F134C87E}" type="datetime1">
               <a:rPr lang="pl-PL"/>
               <a:pPr lvl="0"/>
-              <a:t>2018/6/20</a:t>
+              <a:t>20.06.2018</a:t>
             </a:fld>
             <a:endParaRPr lang="pl-PL"/>
           </a:p>
@@ -1784,7 +1789,7 @@
             <a:fld id="{13494A3C-E482-4ED3-A811-64FFEA954A19}" type="datetime1">
               <a:rPr lang="pl-PL"/>
               <a:pPr lvl="0"/>
-              <a:t>2018/6/20</a:t>
+              <a:t>20.06.2018</a:t>
             </a:fld>
             <a:endParaRPr lang="pl-PL"/>
           </a:p>
@@ -1992,7 +1997,7 @@
             <a:fld id="{57BFE408-C787-4AF2-875F-6904FD6129A9}" type="datetime1">
               <a:rPr lang="pl-PL"/>
               <a:pPr lvl="0"/>
-              <a:t>2018/6/20</a:t>
+              <a:t>20.06.2018</a:t>
             </a:fld>
             <a:endParaRPr lang="pl-PL"/>
           </a:p>
@@ -2301,7 +2306,7 @@
             <a:fld id="{972E3411-1401-4A3C-8AC7-2D92CEF788E8}" type="datetime1">
               <a:rPr lang="pl-PL"/>
               <a:pPr lvl="0"/>
-              <a:t>2018/6/20</a:t>
+              <a:t>20.06.2018</a:t>
             </a:fld>
             <a:endParaRPr lang="pl-PL"/>
           </a:p>
@@ -2692,7 +2697,7 @@
             <a:fld id="{A5E11D23-B6BF-4CBB-B09F-CFE28BFB33BC}" type="datetime1">
               <a:rPr lang="pl-PL"/>
               <a:pPr lvl="0"/>
-              <a:t>2018/6/20</a:t>
+              <a:t>20.06.2018</a:t>
             </a:fld>
             <a:endParaRPr lang="pl-PL"/>
           </a:p>
@@ -2853,7 +2858,7 @@
             <a:fld id="{5F9F6E66-FFB2-4027-9A47-558384EF4CA5}" type="datetime1">
               <a:rPr lang="pl-PL"/>
               <a:pPr lvl="0"/>
-              <a:t>2018/6/20</a:t>
+              <a:t>20.06.2018</a:t>
             </a:fld>
             <a:endParaRPr lang="pl-PL"/>
           </a:p>
@@ -2981,7 +2986,7 @@
             <a:fld id="{E8E70BA3-4193-48DC-B24D-7DEE4F2C50A1}" type="datetime1">
               <a:rPr lang="pl-PL"/>
               <a:pPr lvl="0"/>
-              <a:t>2018/6/20</a:t>
+              <a:t>20.06.2018</a:t>
             </a:fld>
             <a:endParaRPr lang="pl-PL"/>
           </a:p>
@@ -3259,7 +3264,7 @@
             <a:fld id="{8BE2B66F-803E-42B5-B43D-F6CA4BAA706F}" type="datetime1">
               <a:rPr lang="pl-PL"/>
               <a:pPr lvl="0"/>
-              <a:t>2018/6/20</a:t>
+              <a:t>20.06.2018</a:t>
             </a:fld>
             <a:endParaRPr lang="pl-PL"/>
           </a:p>
@@ -3500,7 +3505,7 @@
             <a:fld id="{264AB0E0-B96F-4A62-8339-64A64A220128}" type="datetime1">
               <a:rPr lang="pl-PL"/>
               <a:pPr lvl="0"/>
-              <a:t>2018/6/20</a:t>
+              <a:t>20.06.2018</a:t>
             </a:fld>
             <a:endParaRPr lang="pl-PL"/>
           </a:p>
@@ -3782,7 +3787,7 @@
             <a:fld id="{267253B4-FCE5-4C1E-BA03-D8C5F72D550A}" type="datetime1">
               <a:rPr lang="pl-PL"/>
               <a:pPr lvl="0"/>
-              <a:t>2018/6/20</a:t>
+              <a:t>20.06.2018</a:t>
             </a:fld>
             <a:endParaRPr lang="pl-PL"/>
           </a:p>
@@ -4318,7 +4323,7 @@
         </p:nvSpPr>
         <p:spPr>
           <a:xfrm>
-            <a:off x="-6445" y="0"/>
+            <a:off x="35" y="0"/>
             <a:ext cx="7559640" cy="4726090"/>
           </a:xfrm>
           <a:prstGeom prst="rect">
@@ -4379,7 +4384,7 @@
         </p:nvSpPr>
         <p:spPr>
           <a:xfrm>
-            <a:off x="-6445" y="4726090"/>
+            <a:off x="0" y="4727683"/>
             <a:ext cx="7559640" cy="601559"/>
           </a:xfrm>
           <a:prstGeom prst="rect">
@@ -4515,7 +4520,7 @@
         </p:nvSpPr>
         <p:spPr>
           <a:xfrm>
-            <a:off x="899161" y="3115423"/>
+            <a:off x="879146" y="3284733"/>
             <a:ext cx="2443028" cy="311496"/>
           </a:xfrm>
           <a:prstGeom prst="rect">
@@ -4576,8 +4581,8 @@
         </p:nvSpPr>
         <p:spPr>
           <a:xfrm>
-            <a:off x="251903" y="4806139"/>
-            <a:ext cx="7236097" cy="374141"/>
+            <a:off x="297712" y="4826589"/>
+            <a:ext cx="7017961" cy="374141"/>
           </a:xfrm>
           <a:prstGeom prst="rect">
             <a:avLst/>
@@ -4621,8 +4626,8 @@
         </p:nvSpPr>
         <p:spPr>
           <a:xfrm>
-            <a:off x="6479" y="601560"/>
-            <a:ext cx="3486625" cy="2283959"/>
+            <a:off x="172999" y="774314"/>
+            <a:ext cx="3440481" cy="2346412"/>
           </a:xfrm>
           <a:prstGeom prst="rect">
             <a:avLst/>
@@ -4640,82 +4645,46 @@
           <a:p>
             <a:pPr lvl="0"/>
             <a:r>
-              <a:rPr lang="en-US" sz="1400" dirty="0">
+              <a:rPr lang="en-US" sz="1600" dirty="0">
                 <a:solidFill>
                   <a:srgbClr val="0C295B"/>
                 </a:solidFill>
-                <a:ea typeface="Lato" pitchFamily="34"/>
-                <a:cs typeface="Lato" pitchFamily="34"/>
               </a:rPr>
-              <a:t>A</a:t>
-            </a:r>
-            <a:r>
-              <a:rPr lang="pl-PL" sz="1400" dirty="0">
+              <a:t>Application for processing and </a:t>
+            </a:r>
+            <a:r>
+              <a:rPr lang="en-US" sz="1600" dirty="0" err="1">
                 <a:solidFill>
                   <a:srgbClr val="0C295B"/>
                 </a:solidFill>
-                <a:ea typeface="Lato" pitchFamily="34"/>
-                <a:cs typeface="Lato" pitchFamily="34"/>
               </a:rPr>
-              <a:t>p</a:t>
-            </a:r>
-            <a:r>
-              <a:rPr lang="en-US" sz="1400" dirty="0">
+              <a:t>analysing</a:t>
+            </a:r>
+            <a:r>
+              <a:rPr lang="en-US" sz="1600" dirty="0">
                 <a:solidFill>
                   <a:srgbClr val="0C295B"/>
                 </a:solidFill>
-                <a:ea typeface="Lato" pitchFamily="34"/>
-                <a:cs typeface="Lato" pitchFamily="34"/>
               </a:rPr>
-              <a:t>plication for processing Big Data of information describing functioning of </a:t>
-            </a:r>
-            <a:r>
-              <a:rPr lang="pl-PL" sz="1400" dirty="0" err="1">
+              <a:t> data. The data is first cleaned and then </a:t>
+            </a:r>
+            <a:r>
+              <a:rPr lang="en-US" sz="1600" dirty="0" err="1">
                 <a:solidFill>
                   <a:srgbClr val="0C295B"/>
                 </a:solidFill>
-                <a:ea typeface="Lato" pitchFamily="34"/>
-                <a:cs typeface="Lato" pitchFamily="34"/>
               </a:rPr>
-              <a:t>cellular</a:t>
-            </a:r>
-            <a:r>
-              <a:rPr lang="en-US" sz="1400" dirty="0">
+              <a:t>analysed</a:t>
+            </a:r>
+            <a:r>
+              <a:rPr lang="en-US" sz="1600" dirty="0">
                 <a:solidFill>
                   <a:srgbClr val="0C295B"/>
                 </a:solidFill>
-                <a:ea typeface="Lato" pitchFamily="34"/>
-                <a:cs typeface="Lato" pitchFamily="34"/>
               </a:rPr>
-              <a:t> base stations.</a:t>
-            </a:r>
-          </a:p>
-          <a:p>
-            <a:pPr lvl="0"/>
-            <a:r>
-              <a:rPr lang="en-US" sz="1400" dirty="0">
-                <a:solidFill>
-                  <a:srgbClr val="0C295B"/>
-                </a:solidFill>
-                <a:ea typeface="Lato" pitchFamily="34"/>
-                <a:cs typeface="Lato" pitchFamily="34"/>
-              </a:rPr>
-              <a:t>The data is subject to purification and analysis in order to determine the quality of functioning of telecommunications equipment.</a:t>
-            </a:r>
-          </a:p>
-          <a:p>
-            <a:pPr lvl="0"/>
-            <a:r>
-              <a:rPr lang="en-US" sz="1400" dirty="0">
-                <a:solidFill>
-                  <a:srgbClr val="0C295B"/>
-                </a:solidFill>
-                <a:ea typeface="Lato" pitchFamily="34"/>
-                <a:cs typeface="Lato" pitchFamily="34"/>
-              </a:rPr>
-              <a:t>For convenient use, the application provides a web interface with all the interesting results.</a:t>
-            </a:r>
-            <a:endParaRPr lang="pl-PL" sz="1100" b="0" i="0" u="none" strike="noStrike" kern="1200" cap="none" spc="0" baseline="0" dirty="0">
+              <a:t> to determine it's quality. It can then ease future decision making and planning concerning the product which delivered the data. For convenience of usage, the application provides a web interface with customizable charts and tables.</a:t>
+            </a:r>
+            <a:endParaRPr lang="pl-PL" sz="1200" b="0" i="0" u="none" strike="noStrike" kern="1200" cap="none" spc="0" baseline="0" dirty="0">
               <a:ln>
                 <a:noFill/>
               </a:ln>
@@ -4730,7 +4699,7 @@
       </p:sp>
       <p:pic>
         <p:nvPicPr>
-          <p:cNvPr id="13" name="">
+          <p:cNvPr id="13" name="Obraz 12">
             <a:extLst>
               <a:ext uri="{FF2B5EF4-FFF2-40B4-BE49-F238E27FC236}">
                 <a16:creationId xmlns:a16="http://schemas.microsoft.com/office/drawing/2014/main" id="{61245A77-EA22-4E99-8F10-8C1B142F98ED}"/>
@@ -4754,7 +4723,7 @@
         </p:blipFill>
         <p:spPr>
           <a:xfrm>
-            <a:off x="200409" y="3115423"/>
+            <a:off x="200409" y="3254429"/>
             <a:ext cx="698752" cy="698752"/>
           </a:xfrm>
           <a:prstGeom prst="rect">
@@ -4797,8 +4766,8 @@
         </p:blipFill>
         <p:spPr>
           <a:xfrm>
-            <a:off x="5894956" y="3717136"/>
-            <a:ext cx="968930" cy="968930"/>
+            <a:off x="6142612" y="3961310"/>
+            <a:ext cx="723078" cy="723078"/>
           </a:xfrm>
           <a:prstGeom prst="rect">
             <a:avLst/>
@@ -4908,7 +4877,7 @@
         </p:blipFill>
         <p:spPr>
           <a:xfrm>
-            <a:off x="4300839" y="3996295"/>
+            <a:off x="4399513" y="3994272"/>
             <a:ext cx="1154268" cy="646390"/>
           </a:xfrm>
           <a:prstGeom prst="rect">
@@ -4930,7 +4899,7 @@
         </p:nvSpPr>
         <p:spPr>
           <a:xfrm>
-            <a:off x="3678449" y="733985"/>
+            <a:off x="3678448" y="834285"/>
             <a:ext cx="3750666" cy="2526302"/>
           </a:xfrm>
           <a:prstGeom prst="rect">
@@ -4984,7 +4953,7 @@
         </p:blipFill>
         <p:spPr>
           <a:xfrm>
-            <a:off x="3720887" y="783814"/>
+            <a:off x="3720887" y="885143"/>
             <a:ext cx="3665789" cy="2438604"/>
           </a:xfrm>
           <a:prstGeom prst="rect">
@@ -5006,7 +4975,7 @@
         </p:nvSpPr>
         <p:spPr>
           <a:xfrm>
-            <a:off x="882018" y="3500895"/>
+            <a:off x="850220" y="3607100"/>
             <a:ext cx="5741333" cy="311496"/>
           </a:xfrm>
           <a:prstGeom prst="rect">
